--- a/移动端/响应式设计.pptx
+++ b/移动端/响应式设计.pptx
@@ -209,7 +209,7 @@
           <a:p>
             <a:fld id="{D2A48B96-639E-45A3-A0BA-2464DFDB1FAA}" type="datetimeFigureOut">
               <a:rPr lang="zh-CN" altLang="en-US" smtClean="0"/>
-              <a:t>18/3/29</a:t>
+              <a:t>18/6/30</a:t>
             </a:fld>
             <a:endParaRPr lang="zh-CN" altLang="en-US"/>
           </a:p>
@@ -692,7 +692,7 @@
           <a:p>
             <a:fld id="{82F288E0-7875-42C4-84C8-98DBBD3BF4D2}" type="datetimeFigureOut">
               <a:rPr lang="zh-CN" altLang="en-US" smtClean="0"/>
-              <a:t>18/3/29</a:t>
+              <a:t>18/6/30</a:t>
             </a:fld>
             <a:endParaRPr lang="zh-CN" altLang="en-US"/>
           </a:p>
@@ -839,7 +839,7 @@
           <a:p>
             <a:fld id="{82F288E0-7875-42C4-84C8-98DBBD3BF4D2}" type="datetimeFigureOut">
               <a:rPr lang="zh-CN" altLang="en-US" smtClean="0"/>
-              <a:t>18/3/29</a:t>
+              <a:t>18/6/30</a:t>
             </a:fld>
             <a:endParaRPr lang="zh-CN" altLang="en-US"/>
           </a:p>
@@ -1004,7 +1004,7 @@
           <a:p>
             <a:fld id="{82F288E0-7875-42C4-84C8-98DBBD3BF4D2}" type="datetimeFigureOut">
               <a:rPr lang="zh-CN" altLang="en-US" smtClean="0"/>
-              <a:t>18/3/29</a:t>
+              <a:t>18/6/30</a:t>
             </a:fld>
             <a:endParaRPr lang="zh-CN" altLang="en-US"/>
           </a:p>
@@ -1245,7 +1245,7 @@
           <a:p>
             <a:fld id="{82F288E0-7875-42C4-84C8-98DBBD3BF4D2}" type="datetimeFigureOut">
               <a:rPr lang="zh-CN" altLang="en-US" smtClean="0"/>
-              <a:t>18/3/29</a:t>
+              <a:t>18/6/30</a:t>
             </a:fld>
             <a:endParaRPr lang="zh-CN" altLang="en-US"/>
           </a:p>
@@ -1472,7 +1472,7 @@
           <a:p>
             <a:fld id="{82F288E0-7875-42C4-84C8-98DBBD3BF4D2}" type="datetimeFigureOut">
               <a:rPr lang="zh-CN" altLang="en-US" smtClean="0"/>
-              <a:t>18/3/29</a:t>
+              <a:t>18/6/30</a:t>
             </a:fld>
             <a:endParaRPr lang="zh-CN" altLang="en-US"/>
           </a:p>
@@ -1834,7 +1834,7 @@
           <a:p>
             <a:fld id="{82F288E0-7875-42C4-84C8-98DBBD3BF4D2}" type="datetimeFigureOut">
               <a:rPr lang="zh-CN" altLang="en-US" smtClean="0"/>
-              <a:t>18/3/29</a:t>
+              <a:t>18/6/30</a:t>
             </a:fld>
             <a:endParaRPr lang="zh-CN" altLang="en-US"/>
           </a:p>
@@ -1947,7 +1947,7 @@
           <a:p>
             <a:fld id="{82F288E0-7875-42C4-84C8-98DBBD3BF4D2}" type="datetimeFigureOut">
               <a:rPr lang="zh-CN" altLang="en-US" smtClean="0"/>
-              <a:t>18/3/29</a:t>
+              <a:t>18/6/30</a:t>
             </a:fld>
             <a:endParaRPr lang="zh-CN" altLang="en-US"/>
           </a:p>
@@ -2037,7 +2037,7 @@
           <a:p>
             <a:fld id="{82F288E0-7875-42C4-84C8-98DBBD3BF4D2}" type="datetimeFigureOut">
               <a:rPr lang="zh-CN" altLang="en-US" smtClean="0"/>
-              <a:t>18/3/29</a:t>
+              <a:t>18/6/30</a:t>
             </a:fld>
             <a:endParaRPr lang="zh-CN" altLang="en-US"/>
           </a:p>
@@ -2285,7 +2285,7 @@
           <a:p>
             <a:fld id="{82F288E0-7875-42C4-84C8-98DBBD3BF4D2}" type="datetimeFigureOut">
               <a:rPr lang="zh-CN" altLang="en-US" smtClean="0"/>
-              <a:t>18/3/29</a:t>
+              <a:t>18/6/30</a:t>
             </a:fld>
             <a:endParaRPr lang="zh-CN" altLang="en-US"/>
           </a:p>
@@ -2460,7 +2460,7 @@
           <a:p>
             <a:fld id="{82F288E0-7875-42C4-84C8-98DBBD3BF4D2}" type="datetimeFigureOut">
               <a:rPr lang="zh-CN" altLang="en-US" smtClean="0"/>
-              <a:t>18/3/29</a:t>
+              <a:t>18/6/30</a:t>
             </a:fld>
             <a:endParaRPr lang="zh-CN" altLang="en-US"/>
           </a:p>
@@ -2668,7 +2668,7 @@
           <a:p>
             <a:fld id="{82F288E0-7875-42C4-84C8-98DBBD3BF4D2}" type="datetimeFigureOut">
               <a:rPr lang="zh-CN" altLang="en-US" smtClean="0"/>
-              <a:t>18/3/29</a:t>
+              <a:t>18/6/30</a:t>
             </a:fld>
             <a:endParaRPr lang="zh-CN" altLang="en-US"/>
           </a:p>
@@ -7925,7 +7925,7 @@
         <p:spPr>
           <a:xfrm>
             <a:off x="1111250" y="1554575"/>
-            <a:ext cx="10208260" cy="2954655"/>
+            <a:ext cx="10208260" cy="3600986"/>
           </a:xfrm>
           <a:prstGeom prst="rect">
             <a:avLst/>
@@ -8241,12 +8241,28 @@
               <a:t>   开源的框架  </a:t>
             </a:r>
             <a:r>
-              <a:rPr lang="en-US" altLang="zh-CN" dirty="0" smtClean="0">
-                <a:latin typeface="微软雅黑" pitchFamily="2" charset="-122"/>
-                <a:ea typeface="微软雅黑" pitchFamily="2" charset="-122"/>
-                <a:sym typeface="+mn-ea"/>
-              </a:rPr>
-              <a:t>bootstrap</a:t>
+              <a:rPr lang="en-US" altLang="zh-CN" dirty="0">
+                <a:latin typeface="微软雅黑" pitchFamily="2" charset="-122"/>
+                <a:ea typeface="微软雅黑" pitchFamily="2" charset="-122"/>
+                <a:sym typeface="+mn-ea"/>
+              </a:rPr>
+              <a:t>bootstrap(http://</a:t>
+            </a:r>
+            <a:r>
+              <a:rPr lang="en-US" altLang="zh-CN" dirty="0" err="1">
+                <a:latin typeface="微软雅黑" pitchFamily="2" charset="-122"/>
+                <a:ea typeface="微软雅黑" pitchFamily="2" charset="-122"/>
+                <a:sym typeface="+mn-ea"/>
+              </a:rPr>
+              <a:t>www.bootcss.com</a:t>
+            </a:r>
+            <a:r>
+              <a:rPr lang="en-US" altLang="zh-CN" dirty="0">
+                <a:latin typeface="微软雅黑" pitchFamily="2" charset="-122"/>
+                <a:ea typeface="微软雅黑" pitchFamily="2" charset="-122"/>
+                <a:sym typeface="+mn-ea"/>
+              </a:rPr>
+              <a:t>/)</a:t>
             </a:r>
             <a:r>
               <a:rPr lang="zh-CN" altLang="en-US" dirty="0" smtClean="0">
